--- a/U2_Estructuras_de_Control_y_Aplicaciones_con_Arreglos/2_3_1_Arreglos_Unidimensionales__Ejercicios.pptx
+++ b/U2_Estructuras_de_Control_y_Aplicaciones_con_Arreglos/2_3_1_Arreglos_Unidimensionales__Ejercicios.pptx
@@ -8,6 +8,7 @@
     <p:sldId id="256" r:id="rId2"/>
     <p:sldId id="257" r:id="rId3"/>
     <p:sldId id="258" r:id="rId4"/>
+    <p:sldId id="259" r:id="rId5"/>
   </p:sldIdLst>
   <p:sldSz cx="12192000" cy="6858000"/>
   <p:notesSz cx="6858000" cy="9144000"/>
@@ -106,6 +107,11 @@
       </a:defRPr>
     </a:lvl9pPr>
   </p:defaultTextStyle>
+  <p:extLst>
+    <p:ext uri="{EFAFB233-063F-42B5-8137-9DF3F51BA10A}">
+      <p15:sldGuideLst xmlns:p15="http://schemas.microsoft.com/office/powerpoint/2012/main"/>
+    </p:ext>
+  </p:extLst>
 </p:presentation>
 </file>
 
@@ -3245,6 +3251,101 @@
 </p:sld>
 </file>
 
+<file path=ppt/slides/slide4.xml><?xml version="1.0" encoding="utf-8"?>
+<p:sld xmlns:a="http://schemas.openxmlformats.org/drawingml/2006/main" xmlns:r="http://schemas.openxmlformats.org/officeDocument/2006/relationships" xmlns:p="http://schemas.openxmlformats.org/presentationml/2006/main">
+  <p:cSld>
+    <p:spTree>
+      <p:nvGrpSpPr>
+        <p:cNvPr id="1" name=""/>
+        <p:cNvGrpSpPr/>
+        <p:nvPr/>
+      </p:nvGrpSpPr>
+      <p:grpSpPr>
+        <a:xfrm>
+          <a:off x="0" y="0"/>
+          <a:ext cx="0" cy="0"/>
+          <a:chOff x="0" y="0"/>
+          <a:chExt cx="0" cy="0"/>
+        </a:xfrm>
+      </p:grpSpPr>
+      <p:sp>
+        <p:nvSpPr>
+          <p:cNvPr id="2" name="CuadroTexto 1"/>
+          <p:cNvSpPr txBox="1"/>
+          <p:nvPr/>
+        </p:nvSpPr>
+        <p:spPr>
+          <a:xfrm>
+            <a:off x="976393" y="867905"/>
+            <a:ext cx="10875606" cy="923330"/>
+          </a:xfrm>
+          <a:prstGeom prst="rect">
+            <a:avLst/>
+          </a:prstGeom>
+          <a:noFill/>
+        </p:spPr>
+        <p:txBody>
+          <a:bodyPr wrap="none" rtlCol="0">
+            <a:spAutoFit/>
+          </a:bodyPr>
+          <a:lstStyle/>
+          <a:p>
+            <a:r>
+              <a:rPr lang="es-MX" dirty="0" smtClean="0"/>
+              <a:t>REFERENCIAS:</a:t>
+            </a:r>
+          </a:p>
+          <a:p>
+            <a:r>
+              <a:rPr lang="es-MX" dirty="0" err="1" smtClean="0"/>
+              <a:t>Pinales</a:t>
+            </a:r>
+            <a:r>
+              <a:rPr lang="es-MX" dirty="0" smtClean="0"/>
+              <a:t> Delgado, F. J., &amp; Velázquez Amador, C. E. (). </a:t>
+            </a:r>
+            <a:r>
+              <a:rPr lang="es-MX" dirty="0" err="1" smtClean="0"/>
+              <a:t>Problemario</a:t>
+            </a:r>
+            <a:r>
+              <a:rPr lang="es-MX" dirty="0" smtClean="0"/>
+              <a:t> de Algoritmos Resueltos con Diagramas de Flujo y </a:t>
+            </a:r>
+          </a:p>
+          <a:p>
+            <a:r>
+              <a:rPr lang="es-MX" dirty="0" smtClean="0"/>
+              <a:t>Pseudocódigo.  </a:t>
+            </a:r>
+            <a:r>
+              <a:rPr lang="es-MX" dirty="0" err="1" smtClean="0"/>
+              <a:t>Pag</a:t>
+            </a:r>
+            <a:r>
+              <a:rPr lang="es-MX" dirty="0" smtClean="0"/>
+              <a:t>. 145 (145/172) </a:t>
+            </a:r>
+            <a:r>
+              <a:rPr lang="es-MX" dirty="0"/>
+              <a:t>de algoritmos-y-pseudocc3b3digos.pdf</a:t>
+            </a:r>
+          </a:p>
+        </p:txBody>
+      </p:sp>
+    </p:spTree>
+    <p:extLst>
+      <p:ext uri="{BB962C8B-B14F-4D97-AF65-F5344CB8AC3E}">
+        <p14:creationId xmlns:p14="http://schemas.microsoft.com/office/powerpoint/2010/main" val="991888930"/>
+      </p:ext>
+    </p:extLst>
+  </p:cSld>
+  <p:clrMapOvr>
+    <a:masterClrMapping/>
+  </p:clrMapOvr>
+</p:sld>
+</file>
+
 <file path=ppt/theme/theme1.xml><?xml version="1.0" encoding="utf-8"?>
 <a:theme xmlns:a="http://schemas.openxmlformats.org/drawingml/2006/main" name="Tema de Office">
   <a:themeElements>

--- a/U2_Estructuras_de_Control_y_Aplicaciones_con_Arreglos/2_3_1_Arreglos_Unidimensionales__Ejercicios.pptx
+++ b/U2_Estructuras_de_Control_y_Aplicaciones_con_Arreglos/2_3_1_Arreglos_Unidimensionales__Ejercicios.pptx
@@ -8,7 +8,9 @@
     <p:sldId id="256" r:id="rId2"/>
     <p:sldId id="257" r:id="rId3"/>
     <p:sldId id="258" r:id="rId4"/>
-    <p:sldId id="259" r:id="rId5"/>
+    <p:sldId id="260" r:id="rId5"/>
+    <p:sldId id="261" r:id="rId6"/>
+    <p:sldId id="259" r:id="rId7"/>
   </p:sldIdLst>
   <p:sldSz cx="12192000" cy="6858000"/>
   <p:notesSz cx="6858000" cy="9144000"/>
@@ -246,7 +248,7 @@
           <a:p>
             <a:fld id="{39CCF1B6-EAAB-48DC-946B-99BA0B3D2CA5}" type="datetimeFigureOut">
               <a:rPr lang="es-MX" smtClean="0"/>
-              <a:t>05/11/2021</a:t>
+              <a:t>10/11/2021</a:t>
             </a:fld>
             <a:endParaRPr lang="es-MX"/>
           </a:p>
@@ -416,7 +418,7 @@
           <a:p>
             <a:fld id="{39CCF1B6-EAAB-48DC-946B-99BA0B3D2CA5}" type="datetimeFigureOut">
               <a:rPr lang="es-MX" smtClean="0"/>
-              <a:t>05/11/2021</a:t>
+              <a:t>10/11/2021</a:t>
             </a:fld>
             <a:endParaRPr lang="es-MX"/>
           </a:p>
@@ -596,7 +598,7 @@
           <a:p>
             <a:fld id="{39CCF1B6-EAAB-48DC-946B-99BA0B3D2CA5}" type="datetimeFigureOut">
               <a:rPr lang="es-MX" smtClean="0"/>
-              <a:t>05/11/2021</a:t>
+              <a:t>10/11/2021</a:t>
             </a:fld>
             <a:endParaRPr lang="es-MX"/>
           </a:p>
@@ -766,7 +768,7 @@
           <a:p>
             <a:fld id="{39CCF1B6-EAAB-48DC-946B-99BA0B3D2CA5}" type="datetimeFigureOut">
               <a:rPr lang="es-MX" smtClean="0"/>
-              <a:t>05/11/2021</a:t>
+              <a:t>10/11/2021</a:t>
             </a:fld>
             <a:endParaRPr lang="es-MX"/>
           </a:p>
@@ -1012,7 +1014,7 @@
           <a:p>
             <a:fld id="{39CCF1B6-EAAB-48DC-946B-99BA0B3D2CA5}" type="datetimeFigureOut">
               <a:rPr lang="es-MX" smtClean="0"/>
-              <a:t>05/11/2021</a:t>
+              <a:t>10/11/2021</a:t>
             </a:fld>
             <a:endParaRPr lang="es-MX"/>
           </a:p>
@@ -1244,7 +1246,7 @@
           <a:p>
             <a:fld id="{39CCF1B6-EAAB-48DC-946B-99BA0B3D2CA5}" type="datetimeFigureOut">
               <a:rPr lang="es-MX" smtClean="0"/>
-              <a:t>05/11/2021</a:t>
+              <a:t>10/11/2021</a:t>
             </a:fld>
             <a:endParaRPr lang="es-MX"/>
           </a:p>
@@ -1611,7 +1613,7 @@
           <a:p>
             <a:fld id="{39CCF1B6-EAAB-48DC-946B-99BA0B3D2CA5}" type="datetimeFigureOut">
               <a:rPr lang="es-MX" smtClean="0"/>
-              <a:t>05/11/2021</a:t>
+              <a:t>10/11/2021</a:t>
             </a:fld>
             <a:endParaRPr lang="es-MX"/>
           </a:p>
@@ -1729,7 +1731,7 @@
           <a:p>
             <a:fld id="{39CCF1B6-EAAB-48DC-946B-99BA0B3D2CA5}" type="datetimeFigureOut">
               <a:rPr lang="es-MX" smtClean="0"/>
-              <a:t>05/11/2021</a:t>
+              <a:t>10/11/2021</a:t>
             </a:fld>
             <a:endParaRPr lang="es-MX"/>
           </a:p>
@@ -1824,7 +1826,7 @@
           <a:p>
             <a:fld id="{39CCF1B6-EAAB-48DC-946B-99BA0B3D2CA5}" type="datetimeFigureOut">
               <a:rPr lang="es-MX" smtClean="0"/>
-              <a:t>05/11/2021</a:t>
+              <a:t>10/11/2021</a:t>
             </a:fld>
             <a:endParaRPr lang="es-MX"/>
           </a:p>
@@ -2101,7 +2103,7 @@
           <a:p>
             <a:fld id="{39CCF1B6-EAAB-48DC-946B-99BA0B3D2CA5}" type="datetimeFigureOut">
               <a:rPr lang="es-MX" smtClean="0"/>
-              <a:t>05/11/2021</a:t>
+              <a:t>10/11/2021</a:t>
             </a:fld>
             <a:endParaRPr lang="es-MX"/>
           </a:p>
@@ -2354,7 +2356,7 @@
           <a:p>
             <a:fld id="{39CCF1B6-EAAB-48DC-946B-99BA0B3D2CA5}" type="datetimeFigureOut">
               <a:rPr lang="es-MX" smtClean="0"/>
-              <a:t>05/11/2021</a:t>
+              <a:t>10/11/2021</a:t>
             </a:fld>
             <a:endParaRPr lang="es-MX"/>
           </a:p>
@@ -2567,7 +2569,7 @@
           <a:p>
             <a:fld id="{39CCF1B6-EAAB-48DC-946B-99BA0B3D2CA5}" type="datetimeFigureOut">
               <a:rPr lang="es-MX" smtClean="0"/>
-              <a:t>05/11/2021</a:t>
+              <a:t>10/11/2021</a:t>
             </a:fld>
             <a:endParaRPr lang="es-MX"/>
           </a:p>
@@ -3013,8 +3015,12 @@
           <a:lstStyle/>
           <a:p>
             <a:r>
+              <a:rPr lang="es-MX" smtClean="0"/>
+              <a:t>Noviembre</a:t>
+            </a:r>
+            <a:r>
               <a:rPr lang="es-MX" dirty="0" smtClean="0"/>
-              <a:t>Octubre, 2021</a:t>
+              <a:t>, 2021</a:t>
             </a:r>
             <a:endParaRPr lang="es-MX" dirty="0"/>
           </a:p>
@@ -3268,6 +3274,209 @@
           <a:chExt cx="0" cy="0"/>
         </a:xfrm>
       </p:grpSpPr>
+      <p:pic>
+        <p:nvPicPr>
+          <p:cNvPr id="2" name="Imagen 1"/>
+          <p:cNvPicPr>
+            <a:picLocks noChangeAspect="1"/>
+          </p:cNvPicPr>
+          <p:nvPr/>
+        </p:nvPicPr>
+        <p:blipFill>
+          <a:blip r:embed="rId2"/>
+          <a:stretch>
+            <a:fillRect/>
+          </a:stretch>
+        </p:blipFill>
+        <p:spPr>
+          <a:xfrm>
+            <a:off x="1037150" y="249461"/>
+            <a:ext cx="9162917" cy="2787866"/>
+          </a:xfrm>
+          <a:prstGeom prst="rect">
+            <a:avLst/>
+          </a:prstGeom>
+        </p:spPr>
+      </p:pic>
+      <p:pic>
+        <p:nvPicPr>
+          <p:cNvPr id="3" name="Imagen 2"/>
+          <p:cNvPicPr>
+            <a:picLocks noChangeAspect="1"/>
+          </p:cNvPicPr>
+          <p:nvPr/>
+        </p:nvPicPr>
+        <p:blipFill>
+          <a:blip r:embed="rId3"/>
+          <a:stretch>
+            <a:fillRect/>
+          </a:stretch>
+        </p:blipFill>
+        <p:spPr>
+          <a:xfrm>
+            <a:off x="1037150" y="3294905"/>
+            <a:ext cx="9815835" cy="2461952"/>
+          </a:xfrm>
+          <a:prstGeom prst="rect">
+            <a:avLst/>
+          </a:prstGeom>
+        </p:spPr>
+      </p:pic>
+    </p:spTree>
+    <p:extLst>
+      <p:ext uri="{BB962C8B-B14F-4D97-AF65-F5344CB8AC3E}">
+        <p14:creationId xmlns:p14="http://schemas.microsoft.com/office/powerpoint/2010/main" val="443180813"/>
+      </p:ext>
+    </p:extLst>
+  </p:cSld>
+  <p:clrMapOvr>
+    <a:masterClrMapping/>
+  </p:clrMapOvr>
+</p:sld>
+</file>
+
+<file path=ppt/slides/slide5.xml><?xml version="1.0" encoding="utf-8"?>
+<p:sld xmlns:a="http://schemas.openxmlformats.org/drawingml/2006/main" xmlns:r="http://schemas.openxmlformats.org/officeDocument/2006/relationships" xmlns:p="http://schemas.openxmlformats.org/presentationml/2006/main">
+  <p:cSld>
+    <p:spTree>
+      <p:nvGrpSpPr>
+        <p:cNvPr id="1" name=""/>
+        <p:cNvGrpSpPr/>
+        <p:nvPr/>
+      </p:nvGrpSpPr>
+      <p:grpSpPr>
+        <a:xfrm>
+          <a:off x="0" y="0"/>
+          <a:ext cx="0" cy="0"/>
+          <a:chOff x="0" y="0"/>
+          <a:chExt cx="0" cy="0"/>
+        </a:xfrm>
+      </p:grpSpPr>
+      <p:pic>
+        <p:nvPicPr>
+          <p:cNvPr id="2" name="Imagen 1"/>
+          <p:cNvPicPr>
+            <a:picLocks noChangeAspect="1"/>
+          </p:cNvPicPr>
+          <p:nvPr/>
+        </p:nvPicPr>
+        <p:blipFill>
+          <a:blip r:embed="rId2"/>
+          <a:stretch>
+            <a:fillRect/>
+          </a:stretch>
+        </p:blipFill>
+        <p:spPr>
+          <a:xfrm>
+            <a:off x="725442" y="801642"/>
+            <a:ext cx="10492057" cy="4695007"/>
+          </a:xfrm>
+          <a:prstGeom prst="rect">
+            <a:avLst/>
+          </a:prstGeom>
+        </p:spPr>
+      </p:pic>
+      <p:sp>
+        <p:nvSpPr>
+          <p:cNvPr id="3" name="CuadroTexto 2"/>
+          <p:cNvSpPr txBox="1"/>
+          <p:nvPr/>
+        </p:nvSpPr>
+        <p:spPr>
+          <a:xfrm>
+            <a:off x="991673" y="5653825"/>
+            <a:ext cx="10882648" cy="646331"/>
+          </a:xfrm>
+          <a:prstGeom prst="rect">
+            <a:avLst/>
+          </a:prstGeom>
+          <a:noFill/>
+        </p:spPr>
+        <p:txBody>
+          <a:bodyPr wrap="square" rtlCol="0">
+            <a:spAutoFit/>
+          </a:bodyPr>
+          <a:lstStyle/>
+          <a:p>
+            <a:r>
+              <a:rPr lang="es-MX" dirty="0" err="1"/>
+              <a:t>Pinales</a:t>
+            </a:r>
+            <a:r>
+              <a:rPr lang="es-MX" dirty="0"/>
+              <a:t> Delgado, F. J., &amp; Velázquez Amador, C. E. (). </a:t>
+            </a:r>
+            <a:r>
+              <a:rPr lang="es-MX" dirty="0" err="1"/>
+              <a:t>Problemario</a:t>
+            </a:r>
+            <a:r>
+              <a:rPr lang="es-MX" dirty="0"/>
+              <a:t> de Algoritmos Resueltos con Diagramas de Flujo y </a:t>
+            </a:r>
+          </a:p>
+          <a:p>
+            <a:r>
+              <a:rPr lang="es-MX" dirty="0"/>
+              <a:t>Pseudocódigo.  </a:t>
+            </a:r>
+            <a:r>
+              <a:rPr lang="es-MX" dirty="0" err="1"/>
+              <a:t>Pag</a:t>
+            </a:r>
+            <a:r>
+              <a:rPr lang="es-MX" dirty="0"/>
+              <a:t>. </a:t>
+            </a:r>
+            <a:r>
+              <a:rPr lang="es-MX" smtClean="0"/>
+              <a:t>148 </a:t>
+            </a:r>
+            <a:r>
+              <a:rPr lang="es-MX"/>
+              <a:t>(</a:t>
+            </a:r>
+            <a:r>
+              <a:rPr lang="es-MX" smtClean="0"/>
+              <a:t>148/172</a:t>
+            </a:r>
+            <a:r>
+              <a:rPr lang="es-MX" dirty="0"/>
+              <a:t>) de algoritmos-y-pseudocc3b3digos.pdf</a:t>
+            </a:r>
+          </a:p>
+        </p:txBody>
+      </p:sp>
+    </p:spTree>
+    <p:extLst>
+      <p:ext uri="{BB962C8B-B14F-4D97-AF65-F5344CB8AC3E}">
+        <p14:creationId xmlns:p14="http://schemas.microsoft.com/office/powerpoint/2010/main" val="506067021"/>
+      </p:ext>
+    </p:extLst>
+  </p:cSld>
+  <p:clrMapOvr>
+    <a:masterClrMapping/>
+  </p:clrMapOvr>
+</p:sld>
+</file>
+
+<file path=ppt/slides/slide6.xml><?xml version="1.0" encoding="utf-8"?>
+<p:sld xmlns:a="http://schemas.openxmlformats.org/drawingml/2006/main" xmlns:r="http://schemas.openxmlformats.org/officeDocument/2006/relationships" xmlns:p="http://schemas.openxmlformats.org/presentationml/2006/main">
+  <p:cSld>
+    <p:spTree>
+      <p:nvGrpSpPr>
+        <p:cNvPr id="1" name=""/>
+        <p:cNvGrpSpPr/>
+        <p:nvPr/>
+      </p:nvGrpSpPr>
+      <p:grpSpPr>
+        <a:xfrm>
+          <a:off x="0" y="0"/>
+          <a:ext cx="0" cy="0"/>
+          <a:chOff x="0" y="0"/>
+          <a:chExt cx="0" cy="0"/>
+        </a:xfrm>
+      </p:grpSpPr>
       <p:sp>
         <p:nvSpPr>
           <p:cNvPr id="2" name="CuadroTexto 1"/>
@@ -3343,6 +3552,13 @@
   <p:clrMapOvr>
     <a:masterClrMapping/>
   </p:clrMapOvr>
+  <p:timing>
+    <p:tnLst>
+      <p:par>
+        <p:cTn id="1" dur="indefinite" restart="never" nodeType="tmRoot"/>
+      </p:par>
+    </p:tnLst>
+  </p:timing>
 </p:sld>
 </file>
 

--- a/U2_Estructuras_de_Control_y_Aplicaciones_con_Arreglos/2_3_1_Arreglos_Unidimensionales__Ejercicios.pptx
+++ b/U2_Estructuras_de_Control_y_Aplicaciones_con_Arreglos/2_3_1_Arreglos_Unidimensionales__Ejercicios.pptx
@@ -10,7 +10,9 @@
     <p:sldId id="258" r:id="rId4"/>
     <p:sldId id="260" r:id="rId5"/>
     <p:sldId id="261" r:id="rId6"/>
-    <p:sldId id="259" r:id="rId7"/>
+    <p:sldId id="262" r:id="rId7"/>
+    <p:sldId id="263" r:id="rId8"/>
+    <p:sldId id="259" r:id="rId9"/>
   </p:sldIdLst>
   <p:sldSz cx="12192000" cy="6858000"/>
   <p:notesSz cx="6858000" cy="9144000"/>
@@ -248,7 +250,7 @@
           <a:p>
             <a:fld id="{39CCF1B6-EAAB-48DC-946B-99BA0B3D2CA5}" type="datetimeFigureOut">
               <a:rPr lang="es-MX" smtClean="0"/>
-              <a:t>10/11/2021</a:t>
+              <a:t>17/11/2021</a:t>
             </a:fld>
             <a:endParaRPr lang="es-MX"/>
           </a:p>
@@ -418,7 +420,7 @@
           <a:p>
             <a:fld id="{39CCF1B6-EAAB-48DC-946B-99BA0B3D2CA5}" type="datetimeFigureOut">
               <a:rPr lang="es-MX" smtClean="0"/>
-              <a:t>10/11/2021</a:t>
+              <a:t>17/11/2021</a:t>
             </a:fld>
             <a:endParaRPr lang="es-MX"/>
           </a:p>
@@ -598,7 +600,7 @@
           <a:p>
             <a:fld id="{39CCF1B6-EAAB-48DC-946B-99BA0B3D2CA5}" type="datetimeFigureOut">
               <a:rPr lang="es-MX" smtClean="0"/>
-              <a:t>10/11/2021</a:t>
+              <a:t>17/11/2021</a:t>
             </a:fld>
             <a:endParaRPr lang="es-MX"/>
           </a:p>
@@ -768,7 +770,7 @@
           <a:p>
             <a:fld id="{39CCF1B6-EAAB-48DC-946B-99BA0B3D2CA5}" type="datetimeFigureOut">
               <a:rPr lang="es-MX" smtClean="0"/>
-              <a:t>10/11/2021</a:t>
+              <a:t>17/11/2021</a:t>
             </a:fld>
             <a:endParaRPr lang="es-MX"/>
           </a:p>
@@ -1014,7 +1016,7 @@
           <a:p>
             <a:fld id="{39CCF1B6-EAAB-48DC-946B-99BA0B3D2CA5}" type="datetimeFigureOut">
               <a:rPr lang="es-MX" smtClean="0"/>
-              <a:t>10/11/2021</a:t>
+              <a:t>17/11/2021</a:t>
             </a:fld>
             <a:endParaRPr lang="es-MX"/>
           </a:p>
@@ -1246,7 +1248,7 @@
           <a:p>
             <a:fld id="{39CCF1B6-EAAB-48DC-946B-99BA0B3D2CA5}" type="datetimeFigureOut">
               <a:rPr lang="es-MX" smtClean="0"/>
-              <a:t>10/11/2021</a:t>
+              <a:t>17/11/2021</a:t>
             </a:fld>
             <a:endParaRPr lang="es-MX"/>
           </a:p>
@@ -1613,7 +1615,7 @@
           <a:p>
             <a:fld id="{39CCF1B6-EAAB-48DC-946B-99BA0B3D2CA5}" type="datetimeFigureOut">
               <a:rPr lang="es-MX" smtClean="0"/>
-              <a:t>10/11/2021</a:t>
+              <a:t>17/11/2021</a:t>
             </a:fld>
             <a:endParaRPr lang="es-MX"/>
           </a:p>
@@ -1731,7 +1733,7 @@
           <a:p>
             <a:fld id="{39CCF1B6-EAAB-48DC-946B-99BA0B3D2CA5}" type="datetimeFigureOut">
               <a:rPr lang="es-MX" smtClean="0"/>
-              <a:t>10/11/2021</a:t>
+              <a:t>17/11/2021</a:t>
             </a:fld>
             <a:endParaRPr lang="es-MX"/>
           </a:p>
@@ -1826,7 +1828,7 @@
           <a:p>
             <a:fld id="{39CCF1B6-EAAB-48DC-946B-99BA0B3D2CA5}" type="datetimeFigureOut">
               <a:rPr lang="es-MX" smtClean="0"/>
-              <a:t>10/11/2021</a:t>
+              <a:t>17/11/2021</a:t>
             </a:fld>
             <a:endParaRPr lang="es-MX"/>
           </a:p>
@@ -2103,7 +2105,7 @@
           <a:p>
             <a:fld id="{39CCF1B6-EAAB-48DC-946B-99BA0B3D2CA5}" type="datetimeFigureOut">
               <a:rPr lang="es-MX" smtClean="0"/>
-              <a:t>10/11/2021</a:t>
+              <a:t>17/11/2021</a:t>
             </a:fld>
             <a:endParaRPr lang="es-MX"/>
           </a:p>
@@ -2356,7 +2358,7 @@
           <a:p>
             <a:fld id="{39CCF1B6-EAAB-48DC-946B-99BA0B3D2CA5}" type="datetimeFigureOut">
               <a:rPr lang="es-MX" smtClean="0"/>
-              <a:t>10/11/2021</a:t>
+              <a:t>17/11/2021</a:t>
             </a:fld>
             <a:endParaRPr lang="es-MX"/>
           </a:p>
@@ -2569,7 +2571,7 @@
           <a:p>
             <a:fld id="{39CCF1B6-EAAB-48DC-946B-99BA0B3D2CA5}" type="datetimeFigureOut">
               <a:rPr lang="es-MX" smtClean="0"/>
-              <a:t>10/11/2021</a:t>
+              <a:t>17/11/2021</a:t>
             </a:fld>
             <a:endParaRPr lang="es-MX"/>
           </a:p>
@@ -3485,6 +3487,197 @@
         </p:nvSpPr>
         <p:spPr>
           <a:xfrm>
+            <a:off x="772732" y="553792"/>
+            <a:ext cx="10483403" cy="1754326"/>
+          </a:xfrm>
+          <a:prstGeom prst="rect">
+            <a:avLst/>
+          </a:prstGeom>
+          <a:noFill/>
+        </p:spPr>
+        <p:txBody>
+          <a:bodyPr wrap="square" rtlCol="0">
+            <a:spAutoFit/>
+          </a:bodyPr>
+          <a:lstStyle/>
+          <a:p>
+            <a:r>
+              <a:rPr lang="es-MX" i="1" dirty="0"/>
+              <a:t>Ejemplo 5.4 </a:t>
+            </a:r>
+            <a:endParaRPr lang="es-MX" dirty="0"/>
+          </a:p>
+          <a:p>
+            <a:r>
+              <a:rPr lang="es-ES" dirty="0"/>
+              <a:t>Se tienen los nombres de los N alumnos de una escuela, además de su promedio general. Realice un algoritmo para capturar esta información, la cual se debe almacenar en arreglos, un vector para el nombre y otro para el promedio, después de capturar la información se debe ordenar con base en su promedio, de mayor a menor, los nombres deben corresponder con los promedios</a:t>
+            </a:r>
+            <a:r>
+              <a:rPr lang="es-ES" dirty="0" smtClean="0"/>
+              <a:t>. </a:t>
+            </a:r>
+            <a:r>
+              <a:rPr lang="es-ES" dirty="0"/>
+              <a:t>La tabla 5.3 muestra las variables requeridas para representar el algoritmo de solución de este problema.</a:t>
+            </a:r>
+            <a:r>
+              <a:rPr lang="es-ES" dirty="0" smtClean="0"/>
+              <a:t> </a:t>
+            </a:r>
+            <a:endParaRPr lang="es-MX" dirty="0"/>
+          </a:p>
+        </p:txBody>
+      </p:sp>
+      <p:pic>
+        <p:nvPicPr>
+          <p:cNvPr id="3" name="Imagen 2"/>
+          <p:cNvPicPr>
+            <a:picLocks noChangeAspect="1"/>
+          </p:cNvPicPr>
+          <p:nvPr/>
+        </p:nvPicPr>
+        <p:blipFill>
+          <a:blip r:embed="rId2"/>
+          <a:stretch>
+            <a:fillRect/>
+          </a:stretch>
+        </p:blipFill>
+        <p:spPr>
+          <a:xfrm>
+            <a:off x="1656745" y="2585117"/>
+            <a:ext cx="8715375" cy="2943225"/>
+          </a:xfrm>
+          <a:prstGeom prst="rect">
+            <a:avLst/>
+          </a:prstGeom>
+        </p:spPr>
+      </p:pic>
+    </p:spTree>
+    <p:extLst>
+      <p:ext uri="{BB962C8B-B14F-4D97-AF65-F5344CB8AC3E}">
+        <p14:creationId xmlns:p14="http://schemas.microsoft.com/office/powerpoint/2010/main" val="146734946"/>
+      </p:ext>
+    </p:extLst>
+  </p:cSld>
+  <p:clrMapOvr>
+    <a:masterClrMapping/>
+  </p:clrMapOvr>
+</p:sld>
+</file>
+
+<file path=ppt/slides/slide7.xml><?xml version="1.0" encoding="utf-8"?>
+<p:sld xmlns:a="http://schemas.openxmlformats.org/drawingml/2006/main" xmlns:r="http://schemas.openxmlformats.org/officeDocument/2006/relationships" xmlns:p="http://schemas.openxmlformats.org/presentationml/2006/main">
+  <p:cSld>
+    <p:spTree>
+      <p:nvGrpSpPr>
+        <p:cNvPr id="1" name=""/>
+        <p:cNvGrpSpPr/>
+        <p:nvPr/>
+      </p:nvGrpSpPr>
+      <p:grpSpPr>
+        <a:xfrm>
+          <a:off x="0" y="0"/>
+          <a:ext cx="0" cy="0"/>
+          <a:chOff x="0" y="0"/>
+          <a:chExt cx="0" cy="0"/>
+        </a:xfrm>
+      </p:grpSpPr>
+      <p:sp>
+        <p:nvSpPr>
+          <p:cNvPr id="2" name="CuadroTexto 1"/>
+          <p:cNvSpPr txBox="1"/>
+          <p:nvPr/>
+        </p:nvSpPr>
+        <p:spPr>
+          <a:xfrm>
+            <a:off x="566670" y="103031"/>
+            <a:ext cx="10715222" cy="369332"/>
+          </a:xfrm>
+          <a:prstGeom prst="rect">
+            <a:avLst/>
+          </a:prstGeom>
+          <a:noFill/>
+        </p:spPr>
+        <p:txBody>
+          <a:bodyPr wrap="square" rtlCol="0">
+            <a:spAutoFit/>
+          </a:bodyPr>
+          <a:lstStyle/>
+          <a:p>
+            <a:r>
+              <a:rPr lang="es-ES" dirty="0"/>
+              <a:t>El siguiente diagrama de flujo representa el algoritmo </a:t>
+            </a:r>
+            <a:r>
+              <a:rPr lang="es-ES" dirty="0" smtClean="0"/>
+              <a:t>solicitado para la solución de este problema.</a:t>
+            </a:r>
+            <a:endParaRPr lang="es-MX" dirty="0"/>
+          </a:p>
+        </p:txBody>
+      </p:sp>
+      <p:pic>
+        <p:nvPicPr>
+          <p:cNvPr id="3" name="Imagen 2"/>
+          <p:cNvPicPr>
+            <a:picLocks noChangeAspect="1"/>
+          </p:cNvPicPr>
+          <p:nvPr/>
+        </p:nvPicPr>
+        <p:blipFill>
+          <a:blip r:embed="rId2"/>
+          <a:stretch>
+            <a:fillRect/>
+          </a:stretch>
+        </p:blipFill>
+        <p:spPr>
+          <a:xfrm>
+            <a:off x="3052292" y="472363"/>
+            <a:ext cx="5743978" cy="6189248"/>
+          </a:xfrm>
+          <a:prstGeom prst="rect">
+            <a:avLst/>
+          </a:prstGeom>
+        </p:spPr>
+      </p:pic>
+    </p:spTree>
+    <p:extLst>
+      <p:ext uri="{BB962C8B-B14F-4D97-AF65-F5344CB8AC3E}">
+        <p14:creationId xmlns:p14="http://schemas.microsoft.com/office/powerpoint/2010/main" val="341095001"/>
+      </p:ext>
+    </p:extLst>
+  </p:cSld>
+  <p:clrMapOvr>
+    <a:masterClrMapping/>
+  </p:clrMapOvr>
+</p:sld>
+</file>
+
+<file path=ppt/slides/slide8.xml><?xml version="1.0" encoding="utf-8"?>
+<p:sld xmlns:a="http://schemas.openxmlformats.org/drawingml/2006/main" xmlns:r="http://schemas.openxmlformats.org/officeDocument/2006/relationships" xmlns:p="http://schemas.openxmlformats.org/presentationml/2006/main">
+  <p:cSld>
+    <p:spTree>
+      <p:nvGrpSpPr>
+        <p:cNvPr id="1" name=""/>
+        <p:cNvGrpSpPr/>
+        <p:nvPr/>
+      </p:nvGrpSpPr>
+      <p:grpSpPr>
+        <a:xfrm>
+          <a:off x="0" y="0"/>
+          <a:ext cx="0" cy="0"/>
+          <a:chOff x="0" y="0"/>
+          <a:chExt cx="0" cy="0"/>
+        </a:xfrm>
+      </p:grpSpPr>
+      <p:sp>
+        <p:nvSpPr>
+          <p:cNvPr id="2" name="CuadroTexto 1"/>
+          <p:cNvSpPr txBox="1"/>
+          <p:nvPr/>
+        </p:nvSpPr>
+        <p:spPr>
+          <a:xfrm>
             <a:off x="976393" y="867905"/>
             <a:ext cx="10875606" cy="923330"/>
           </a:xfrm>
